--- a/Паттерн Спецификация.pptx
+++ b/Паттерн Спецификация.pptx
@@ -24,8 +24,9 @@
     <p:sldId id="277" r:id="rId18"/>
     <p:sldId id="278" r:id="rId19"/>
     <p:sldId id="257" r:id="rId20"/>
-    <p:sldId id="279" r:id="rId21"/>
-    <p:sldId id="258" r:id="rId22"/>
+    <p:sldId id="280" r:id="rId21"/>
+    <p:sldId id="279" r:id="rId22"/>
+    <p:sldId id="258" r:id="rId23"/>
   </p:sldIdLst>
   <p:sldSz cx="12192000" cy="6858000"/>
   <p:notesSz cx="6858000" cy="9144000"/>
@@ -264,7 +265,7 @@
             <a:fld id="{B61BEF0D-F0BB-DE4B-95CE-6DB70DBA9567}" type="datetimeFigureOut">
               <a:rPr lang="en-US" smtClean="0"/>
               <a:pPr/>
-              <a:t>5/15/2024</a:t>
+              <a:t>5/17/2024</a:t>
             </a:fld>
             <a:endParaRPr lang="en-US" dirty="0"/>
           </a:p>
@@ -436,7 +437,7 @@
             <a:fld id="{B61BEF0D-F0BB-DE4B-95CE-6DB70DBA9567}" type="datetimeFigureOut">
               <a:rPr lang="en-US" smtClean="0"/>
               <a:pPr/>
-              <a:t>5/15/2024</a:t>
+              <a:t>5/17/2024</a:t>
             </a:fld>
             <a:endParaRPr lang="en-US" dirty="0"/>
           </a:p>
@@ -618,7 +619,7 @@
             <a:fld id="{B61BEF0D-F0BB-DE4B-95CE-6DB70DBA9567}" type="datetimeFigureOut">
               <a:rPr lang="en-US" smtClean="0"/>
               <a:pPr/>
-              <a:t>5/15/2024</a:t>
+              <a:t>5/17/2024</a:t>
             </a:fld>
             <a:endParaRPr lang="en-US" dirty="0"/>
           </a:p>
@@ -790,7 +791,7 @@
             <a:fld id="{B61BEF0D-F0BB-DE4B-95CE-6DB70DBA9567}" type="datetimeFigureOut">
               <a:rPr lang="en-US" smtClean="0"/>
               <a:pPr/>
-              <a:t>5/15/2024</a:t>
+              <a:t>5/17/2024</a:t>
             </a:fld>
             <a:endParaRPr lang="en-US" dirty="0"/>
           </a:p>
@@ -1038,7 +1039,7 @@
             <a:fld id="{B61BEF0D-F0BB-DE4B-95CE-6DB70DBA9567}" type="datetimeFigureOut">
               <a:rPr lang="en-US" smtClean="0"/>
               <a:pPr/>
-              <a:t>5/15/2024</a:t>
+              <a:t>5/17/2024</a:t>
             </a:fld>
             <a:endParaRPr lang="en-US" dirty="0"/>
           </a:p>
@@ -1272,7 +1273,7 @@
             <a:fld id="{B61BEF0D-F0BB-DE4B-95CE-6DB70DBA9567}" type="datetimeFigureOut">
               <a:rPr lang="en-US" smtClean="0"/>
               <a:pPr/>
-              <a:t>5/15/2024</a:t>
+              <a:t>5/17/2024</a:t>
             </a:fld>
             <a:endParaRPr lang="en-US" dirty="0"/>
           </a:p>
@@ -1641,7 +1642,7 @@
             <a:fld id="{B61BEF0D-F0BB-DE4B-95CE-6DB70DBA9567}" type="datetimeFigureOut">
               <a:rPr lang="en-US" smtClean="0"/>
               <a:pPr/>
-              <a:t>5/15/2024</a:t>
+              <a:t>5/17/2024</a:t>
             </a:fld>
             <a:endParaRPr lang="en-US" dirty="0"/>
           </a:p>
@@ -1761,7 +1762,7 @@
             <a:fld id="{B61BEF0D-F0BB-DE4B-95CE-6DB70DBA9567}" type="datetimeFigureOut">
               <a:rPr lang="en-US" smtClean="0"/>
               <a:pPr/>
-              <a:t>5/15/2024</a:t>
+              <a:t>5/17/2024</a:t>
             </a:fld>
             <a:endParaRPr lang="en-US" dirty="0"/>
           </a:p>
@@ -1858,7 +1859,7 @@
             <a:fld id="{B61BEF0D-F0BB-DE4B-95CE-6DB70DBA9567}" type="datetimeFigureOut">
               <a:rPr lang="en-US" smtClean="0"/>
               <a:pPr/>
-              <a:t>5/15/2024</a:t>
+              <a:t>5/17/2024</a:t>
             </a:fld>
             <a:endParaRPr lang="en-US" dirty="0"/>
           </a:p>
@@ -2137,7 +2138,7 @@
             <a:fld id="{B61BEF0D-F0BB-DE4B-95CE-6DB70DBA9567}" type="datetimeFigureOut">
               <a:rPr lang="en-US" smtClean="0"/>
               <a:pPr/>
-              <a:t>5/15/2024</a:t>
+              <a:t>5/17/2024</a:t>
             </a:fld>
             <a:endParaRPr lang="en-US" dirty="0"/>
           </a:p>
@@ -2392,7 +2393,7 @@
             <a:fld id="{B61BEF0D-F0BB-DE4B-95CE-6DB70DBA9567}" type="datetimeFigureOut">
               <a:rPr lang="en-US" smtClean="0"/>
               <a:pPr/>
-              <a:t>5/15/2024</a:t>
+              <a:t>5/17/2024</a:t>
             </a:fld>
             <a:endParaRPr lang="en-US" dirty="0"/>
           </a:p>
@@ -2607,7 +2608,7 @@
             <a:fld id="{B61BEF0D-F0BB-DE4B-95CE-6DB70DBA9567}" type="datetimeFigureOut">
               <a:rPr lang="en-US" smtClean="0"/>
               <a:pPr/>
-              <a:t>5/15/2024</a:t>
+              <a:t>5/17/2024</a:t>
             </a:fld>
             <a:endParaRPr lang="en-US" dirty="0"/>
           </a:p>
@@ -4581,6 +4582,178 @@
           </a:lstStyle>
           <a:p>
             <a:r>
+              <a:rPr lang="en-US" dirty="0" smtClean="0"/>
+              <a:t>Benchmarks</a:t>
+            </a:r>
+            <a:endParaRPr lang="en-US" dirty="0"/>
+          </a:p>
+        </p:txBody>
+      </p:sp>
+      <p:pic>
+        <p:nvPicPr>
+          <p:cNvPr id="2" name="Рисунок 1"/>
+          <p:cNvPicPr>
+            <a:picLocks noChangeAspect="1"/>
+          </p:cNvPicPr>
+          <p:nvPr/>
+        </p:nvPicPr>
+        <p:blipFill>
+          <a:blip r:embed="rId2"/>
+          <a:stretch>
+            <a:fillRect/>
+          </a:stretch>
+        </p:blipFill>
+        <p:spPr>
+          <a:xfrm>
+            <a:off x="213904" y="1061765"/>
+            <a:ext cx="10419262" cy="2239810"/>
+          </a:xfrm>
+          <a:prstGeom prst="rect">
+            <a:avLst/>
+          </a:prstGeom>
+        </p:spPr>
+      </p:pic>
+      <p:pic>
+        <p:nvPicPr>
+          <p:cNvPr id="3" name="Рисунок 2"/>
+          <p:cNvPicPr>
+            <a:picLocks noChangeAspect="1"/>
+          </p:cNvPicPr>
+          <p:nvPr/>
+        </p:nvPicPr>
+        <p:blipFill>
+          <a:blip r:embed="rId3"/>
+          <a:stretch>
+            <a:fillRect/>
+          </a:stretch>
+        </p:blipFill>
+        <p:spPr>
+          <a:xfrm>
+            <a:off x="213904" y="4258396"/>
+            <a:ext cx="10417487" cy="2177239"/>
+          </a:xfrm>
+          <a:prstGeom prst="rect">
+            <a:avLst/>
+          </a:prstGeom>
+        </p:spPr>
+      </p:pic>
+      <p:sp>
+        <p:nvSpPr>
+          <p:cNvPr id="4" name="TextBox 3"/>
+          <p:cNvSpPr txBox="1"/>
+          <p:nvPr/>
+        </p:nvSpPr>
+        <p:spPr>
+          <a:xfrm>
+            <a:off x="452846" y="3709851"/>
+            <a:ext cx="9562011" cy="523220"/>
+          </a:xfrm>
+          <a:prstGeom prst="rect">
+            <a:avLst/>
+          </a:prstGeom>
+          <a:noFill/>
+        </p:spPr>
+        <p:txBody>
+          <a:bodyPr wrap="square" rtlCol="0">
+            <a:spAutoFit/>
+          </a:bodyPr>
+          <a:lstStyle/>
+          <a:p>
+            <a:r>
+              <a:rPr lang="en-US" sz="2800" dirty="0" smtClean="0"/>
+              <a:t>2</a:t>
+            </a:r>
+            <a:r>
+              <a:rPr lang="ru-RU" sz="2800" dirty="0"/>
+              <a:t> </a:t>
+            </a:r>
+            <a:r>
+              <a:rPr lang="ru-RU" sz="2800" dirty="0" smtClean="0"/>
+              <a:t>миллиона сущностей</a:t>
+            </a:r>
+            <a:endParaRPr lang="en-US" sz="2800" dirty="0"/>
+          </a:p>
+        </p:txBody>
+      </p:sp>
+    </p:spTree>
+    <p:extLst>
+      <p:ext uri="{BB962C8B-B14F-4D97-AF65-F5344CB8AC3E}">
+        <p14:creationId xmlns:p14="http://schemas.microsoft.com/office/powerpoint/2010/main" val="3856124460"/>
+      </p:ext>
+    </p:extLst>
+  </p:cSld>
+  <p:clrMapOvr>
+    <a:masterClrMapping/>
+  </p:clrMapOvr>
+  <p:timing>
+    <p:tnLst>
+      <p:par>
+        <p:cTn id="1" dur="indefinite" restart="never" nodeType="tmRoot"/>
+      </p:par>
+    </p:tnLst>
+  </p:timing>
+</p:sld>
+</file>
+
+<file path=ppt/slides/slide21.xml><?xml version="1.0" encoding="utf-8"?>
+<p:sld xmlns:a="http://schemas.openxmlformats.org/drawingml/2006/main" xmlns:r="http://schemas.openxmlformats.org/officeDocument/2006/relationships" xmlns:p="http://schemas.openxmlformats.org/presentationml/2006/main">
+  <p:cSld>
+    <p:spTree>
+      <p:nvGrpSpPr>
+        <p:cNvPr id="1" name=""/>
+        <p:cNvGrpSpPr/>
+        <p:nvPr/>
+      </p:nvGrpSpPr>
+      <p:grpSpPr>
+        <a:xfrm>
+          <a:off x="0" y="0"/>
+          <a:ext cx="0" cy="0"/>
+          <a:chOff x="0" y="0"/>
+          <a:chExt cx="0" cy="0"/>
+        </a:xfrm>
+      </p:grpSpPr>
+      <p:sp>
+        <p:nvSpPr>
+          <p:cNvPr id="7" name="Заголовок 1"/>
+          <p:cNvSpPr txBox="1">
+            <a:spLocks/>
+          </p:cNvSpPr>
+          <p:nvPr/>
+        </p:nvSpPr>
+        <p:spPr>
+          <a:xfrm>
+            <a:off x="106679" y="129994"/>
+            <a:ext cx="10895937" cy="744649"/>
+          </a:xfrm>
+          <a:prstGeom prst="rect">
+            <a:avLst/>
+          </a:prstGeom>
+        </p:spPr>
+        <p:txBody>
+          <a:bodyPr vert="horz" lIns="91440" tIns="45720" rIns="91440" bIns="45720" rtlCol="0" anchor="ctr">
+            <a:normAutofit/>
+          </a:bodyPr>
+          <a:lstStyle>
+            <a:lvl1pPr algn="l" defTabSz="914400" rtl="0" eaLnBrk="1" latinLnBrk="0" hangingPunct="1">
+              <a:lnSpc>
+                <a:spcPct val="90000"/>
+              </a:lnSpc>
+              <a:spcBef>
+                <a:spcPct val="0"/>
+              </a:spcBef>
+              <a:buNone/>
+              <a:defRPr sz="4400" kern="1200">
+                <a:solidFill>
+                  <a:schemeClr val="tx1"/>
+                </a:solidFill>
+                <a:latin typeface="+mj-lt"/>
+                <a:ea typeface="+mj-ea"/>
+                <a:cs typeface="+mj-cs"/>
+              </a:defRPr>
+            </a:lvl1pPr>
+          </a:lstStyle>
+          <a:p>
+            <a:r>
               <a:rPr lang="ru-RU" dirty="0" smtClean="0"/>
               <a:t>Минусы</a:t>
             </a:r>
@@ -4697,7 +4870,7 @@
 </p:sld>
 </file>
 
-<file path=ppt/slides/slide21.xml><?xml version="1.0" encoding="utf-8"?>
+<file path=ppt/slides/slide22.xml><?xml version="1.0" encoding="utf-8"?>
 <p:sld xmlns:a="http://schemas.openxmlformats.org/drawingml/2006/main" xmlns:r="http://schemas.openxmlformats.org/officeDocument/2006/relationships" xmlns:p="http://schemas.openxmlformats.org/presentationml/2006/main">
   <p:cSld>
     <p:spTree>
